--- a/Tussentijds verslag/Tussentijdse demo.pptx
+++ b/Tussentijds verslag/Tussentijdse demo.pptx
@@ -482,13 +482,13 @@
   <p:clrMapOvr>
     <a:overrideClrMapping bg1="dk1" tx1="lt1" bg2="dk2" tx2="lt2" accent1="accent1" accent2="accent2" accent3="accent3" accent4="accent4" accent5="accent5" accent6="accent6" hlink="hlink" folHlink="folHlink"/>
   </p:clrMapOvr>
-  <mc:AlternateContent xmlns:mc="http://schemas.openxmlformats.org/markup-compatibility/2006">
-    <mc:Choice xmlns:p14="http://schemas.microsoft.com/office/powerpoint/2010/main" Requires="p14">
+  <mc:AlternateContent xmlns:mc="http://schemas.openxmlformats.org/markup-compatibility/2006" xmlns:p14="http://schemas.microsoft.com/office/powerpoint/2010/main">
+    <mc:Choice Requires="p14">
       <p:transition spd="med" p14:dur="700">
         <p:fade/>
       </p:transition>
     </mc:Choice>
-    <mc:Fallback>
+    <mc:Fallback xmlns="">
       <p:transition xmlns:p14="http://schemas.microsoft.com/office/powerpoint/2010/main" spd="med">
         <p:fade/>
       </p:transition>
@@ -659,13 +659,13 @@
   <p:clrMapOvr>
     <a:masterClrMapping/>
   </p:clrMapOvr>
-  <mc:AlternateContent xmlns:mc="http://schemas.openxmlformats.org/markup-compatibility/2006">
-    <mc:Choice xmlns:p14="http://schemas.microsoft.com/office/powerpoint/2010/main" Requires="p14">
+  <mc:AlternateContent xmlns:mc="http://schemas.openxmlformats.org/markup-compatibility/2006" xmlns:p14="http://schemas.microsoft.com/office/powerpoint/2010/main">
+    <mc:Choice Requires="p14">
       <p:transition spd="med" p14:dur="700">
         <p:fade/>
       </p:transition>
     </mc:Choice>
-    <mc:Fallback>
+    <mc:Fallback xmlns="">
       <p:transition xmlns:p14="http://schemas.microsoft.com/office/powerpoint/2010/main" spd="med">
         <p:fade/>
       </p:transition>
@@ -1001,13 +1001,13 @@
   <p:clrMapOvr>
     <a:overrideClrMapping bg1="lt1" tx1="dk1" bg2="lt2" tx2="dk2" accent1="accent1" accent2="accent2" accent3="accent3" accent4="accent4" accent5="accent5" accent6="accent6" hlink="hlink" folHlink="folHlink"/>
   </p:clrMapOvr>
-  <mc:AlternateContent xmlns:mc="http://schemas.openxmlformats.org/markup-compatibility/2006">
-    <mc:Choice xmlns:p14="http://schemas.microsoft.com/office/powerpoint/2010/main" Requires="p14">
+  <mc:AlternateContent xmlns:mc="http://schemas.openxmlformats.org/markup-compatibility/2006" xmlns:p14="http://schemas.microsoft.com/office/powerpoint/2010/main">
+    <mc:Choice Requires="p14">
       <p:transition spd="med" p14:dur="700">
         <p:fade/>
       </p:transition>
     </mc:Choice>
-    <mc:Fallback>
+    <mc:Fallback xmlns="">
       <p:transition xmlns:p14="http://schemas.microsoft.com/office/powerpoint/2010/main" spd="med">
         <p:fade/>
       </p:transition>
@@ -1196,13 +1196,13 @@
   <p:clrMapOvr>
     <a:masterClrMapping/>
   </p:clrMapOvr>
-  <mc:AlternateContent xmlns:mc="http://schemas.openxmlformats.org/markup-compatibility/2006">
-    <mc:Choice xmlns:p14="http://schemas.microsoft.com/office/powerpoint/2010/main" Requires="p14">
+  <mc:AlternateContent xmlns:mc="http://schemas.openxmlformats.org/markup-compatibility/2006" xmlns:p14="http://schemas.microsoft.com/office/powerpoint/2010/main">
+    <mc:Choice Requires="p14">
       <p:transition spd="med" p14:dur="700">
         <p:fade/>
       </p:transition>
     </mc:Choice>
-    <mc:Fallback>
+    <mc:Fallback xmlns="">
       <p:transition xmlns:p14="http://schemas.microsoft.com/office/powerpoint/2010/main" spd="med">
         <p:fade/>
       </p:transition>
@@ -1574,13 +1574,13 @@
   <p:clrMapOvr>
     <a:overrideClrMapping bg1="lt1" tx1="dk1" bg2="lt2" tx2="dk2" accent1="accent1" accent2="accent2" accent3="accent3" accent4="accent4" accent5="accent5" accent6="accent6" hlink="hlink" folHlink="folHlink"/>
   </p:clrMapOvr>
-  <mc:AlternateContent xmlns:mc="http://schemas.openxmlformats.org/markup-compatibility/2006">
-    <mc:Choice xmlns:p14="http://schemas.microsoft.com/office/powerpoint/2010/main" Requires="p14">
+  <mc:AlternateContent xmlns:mc="http://schemas.openxmlformats.org/markup-compatibility/2006" xmlns:p14="http://schemas.microsoft.com/office/powerpoint/2010/main">
+    <mc:Choice Requires="p14">
       <p:transition spd="med" p14:dur="700">
         <p:fade/>
       </p:transition>
     </mc:Choice>
-    <mc:Fallback>
+    <mc:Fallback xmlns="">
       <p:transition xmlns:p14="http://schemas.microsoft.com/office/powerpoint/2010/main" spd="med">
         <p:fade/>
       </p:transition>
@@ -1813,13 +1813,13 @@
   <p:clrMapOvr>
     <a:masterClrMapping/>
   </p:clrMapOvr>
-  <mc:AlternateContent xmlns:mc="http://schemas.openxmlformats.org/markup-compatibility/2006">
-    <mc:Choice xmlns:p14="http://schemas.microsoft.com/office/powerpoint/2010/main" Requires="p14">
+  <mc:AlternateContent xmlns:mc="http://schemas.openxmlformats.org/markup-compatibility/2006" xmlns:p14="http://schemas.microsoft.com/office/powerpoint/2010/main">
+    <mc:Choice Requires="p14">
       <p:transition spd="med" p14:dur="700">
         <p:fade/>
       </p:transition>
     </mc:Choice>
-    <mc:Fallback>
+    <mc:Fallback xmlns="">
       <p:transition xmlns:p14="http://schemas.microsoft.com/office/powerpoint/2010/main" spd="med">
         <p:fade/>
       </p:transition>
@@ -2143,13 +2143,13 @@
   <p:clrMapOvr>
     <a:masterClrMapping/>
   </p:clrMapOvr>
-  <mc:AlternateContent xmlns:mc="http://schemas.openxmlformats.org/markup-compatibility/2006">
-    <mc:Choice xmlns:p14="http://schemas.microsoft.com/office/powerpoint/2010/main" Requires="p14">
+  <mc:AlternateContent xmlns:mc="http://schemas.openxmlformats.org/markup-compatibility/2006" xmlns:p14="http://schemas.microsoft.com/office/powerpoint/2010/main">
+    <mc:Choice Requires="p14">
       <p:transition spd="med" p14:dur="700">
         <p:fade/>
       </p:transition>
     </mc:Choice>
-    <mc:Fallback>
+    <mc:Fallback xmlns="">
       <p:transition xmlns:p14="http://schemas.microsoft.com/office/powerpoint/2010/main" spd="med">
         <p:fade/>
       </p:transition>
@@ -2276,13 +2276,13 @@
   <p:clrMapOvr>
     <a:masterClrMapping/>
   </p:clrMapOvr>
-  <mc:AlternateContent xmlns:mc="http://schemas.openxmlformats.org/markup-compatibility/2006">
-    <mc:Choice xmlns:p14="http://schemas.microsoft.com/office/powerpoint/2010/main" Requires="p14">
+  <mc:AlternateContent xmlns:mc="http://schemas.openxmlformats.org/markup-compatibility/2006" xmlns:p14="http://schemas.microsoft.com/office/powerpoint/2010/main">
+    <mc:Choice Requires="p14">
       <p:transition spd="med" p14:dur="700">
         <p:fade/>
       </p:transition>
     </mc:Choice>
-    <mc:Fallback>
+    <mc:Fallback xmlns="">
       <p:transition xmlns:p14="http://schemas.microsoft.com/office/powerpoint/2010/main" spd="med">
         <p:fade/>
       </p:transition>
@@ -2391,13 +2391,13 @@
   <p:clrMapOvr>
     <a:masterClrMapping/>
   </p:clrMapOvr>
-  <mc:AlternateContent xmlns:mc="http://schemas.openxmlformats.org/markup-compatibility/2006">
-    <mc:Choice xmlns:p14="http://schemas.microsoft.com/office/powerpoint/2010/main" Requires="p14">
+  <mc:AlternateContent xmlns:mc="http://schemas.openxmlformats.org/markup-compatibility/2006" xmlns:p14="http://schemas.microsoft.com/office/powerpoint/2010/main">
+    <mc:Choice Requires="p14">
       <p:transition spd="med" p14:dur="700">
         <p:fade/>
       </p:transition>
     </mc:Choice>
-    <mc:Fallback>
+    <mc:Fallback xmlns="">
       <p:transition xmlns:p14="http://schemas.microsoft.com/office/powerpoint/2010/main" spd="med">
         <p:fade/>
       </p:transition>
@@ -2665,13 +2665,13 @@
   <p:clrMapOvr>
     <a:masterClrMapping/>
   </p:clrMapOvr>
-  <mc:AlternateContent xmlns:mc="http://schemas.openxmlformats.org/markup-compatibility/2006">
-    <mc:Choice xmlns:p14="http://schemas.microsoft.com/office/powerpoint/2010/main" Requires="p14">
+  <mc:AlternateContent xmlns:mc="http://schemas.openxmlformats.org/markup-compatibility/2006" xmlns:p14="http://schemas.microsoft.com/office/powerpoint/2010/main">
+    <mc:Choice Requires="p14">
       <p:transition spd="med" p14:dur="700">
         <p:fade/>
       </p:transition>
     </mc:Choice>
-    <mc:Fallback>
+    <mc:Fallback xmlns="">
       <p:transition xmlns:p14="http://schemas.microsoft.com/office/powerpoint/2010/main" spd="med">
         <p:fade/>
       </p:transition>
@@ -3111,13 +3111,13 @@
   <p:clrMapOvr>
     <a:overrideClrMapping bg1="lt1" tx1="dk1" bg2="lt2" tx2="dk2" accent1="accent1" accent2="accent2" accent3="accent3" accent4="accent4" accent5="accent5" accent6="accent6" hlink="hlink" folHlink="folHlink"/>
   </p:clrMapOvr>
-  <mc:AlternateContent xmlns:mc="http://schemas.openxmlformats.org/markup-compatibility/2006">
-    <mc:Choice xmlns:p14="http://schemas.microsoft.com/office/powerpoint/2010/main" Requires="p14">
+  <mc:AlternateContent xmlns:mc="http://schemas.openxmlformats.org/markup-compatibility/2006" xmlns:p14="http://schemas.microsoft.com/office/powerpoint/2010/main">
+    <mc:Choice Requires="p14">
       <p:transition spd="med" p14:dur="700">
         <p:fade/>
       </p:transition>
     </mc:Choice>
-    <mc:Fallback>
+    <mc:Fallback xmlns="">
       <p:transition xmlns:p14="http://schemas.microsoft.com/office/powerpoint/2010/main" spd="med">
         <p:fade/>
       </p:transition>
@@ -3516,13 +3516,13 @@
     <p:sldLayoutId id="2147483774" r:id="rId10"/>
     <p:sldLayoutId id="2147483775" r:id="rId11"/>
   </p:sldLayoutIdLst>
-  <mc:AlternateContent xmlns:mc="http://schemas.openxmlformats.org/markup-compatibility/2006">
-    <mc:Choice xmlns:p14="http://schemas.microsoft.com/office/powerpoint/2010/main" Requires="p14">
+  <mc:AlternateContent xmlns:mc="http://schemas.openxmlformats.org/markup-compatibility/2006" xmlns:p14="http://schemas.microsoft.com/office/powerpoint/2010/main">
+    <mc:Choice Requires="p14">
       <p:transition spd="med" p14:dur="700">
         <p:fade/>
       </p:transition>
     </mc:Choice>
-    <mc:Fallback>
+    <mc:Fallback xmlns="">
       <p:transition xmlns:p14="http://schemas.microsoft.com/office/powerpoint/2010/main" spd="med">
         <p:fade/>
       </p:transition>
@@ -3887,13 +3887,13 @@
   <p:clrMapOvr>
     <a:masterClrMapping/>
   </p:clrMapOvr>
-  <mc:AlternateContent xmlns:mc="http://schemas.openxmlformats.org/markup-compatibility/2006">
-    <mc:Choice xmlns:p14="http://schemas.microsoft.com/office/powerpoint/2010/main" Requires="p14">
+  <mc:AlternateContent xmlns:mc="http://schemas.openxmlformats.org/markup-compatibility/2006" xmlns:p14="http://schemas.microsoft.com/office/powerpoint/2010/main">
+    <mc:Choice Requires="p14">
       <p:transition spd="med" p14:dur="700">
         <p:fade/>
       </p:transition>
     </mc:Choice>
-    <mc:Fallback>
+    <mc:Fallback xmlns="">
       <p:transition xmlns:p14="http://schemas.microsoft.com/office/powerpoint/2010/main" spd="med">
         <p:fade/>
       </p:transition>
@@ -3973,15 +3973,7 @@
             <a:pPr lvl="1"/>
             <a:r>
               <a:rPr lang="en-US" dirty="0" err="1" smtClean="0"/>
-              <a:t>co</a:t>
-            </a:r>
-            <a:r>
-              <a:rPr lang="en-US" dirty="0" err="1" smtClean="0"/>
-              <a:t>ö</a:t>
-            </a:r>
-            <a:r>
-              <a:rPr lang="en-US" dirty="0" err="1" smtClean="0"/>
-              <a:t>rdinaten</a:t>
+              <a:t>coördinaten</a:t>
             </a:r>
             <a:r>
               <a:rPr lang="en-US" dirty="0" smtClean="0"/>
@@ -4139,13 +4131,13 @@
   <p:clrMapOvr>
     <a:masterClrMapping/>
   </p:clrMapOvr>
-  <mc:AlternateContent xmlns:mc="http://schemas.openxmlformats.org/markup-compatibility/2006">
-    <mc:Choice xmlns:p14="http://schemas.microsoft.com/office/powerpoint/2010/main" Requires="p14">
+  <mc:AlternateContent xmlns:mc="http://schemas.openxmlformats.org/markup-compatibility/2006" xmlns:p14="http://schemas.microsoft.com/office/powerpoint/2010/main">
+    <mc:Choice Requires="p14">
       <p:transition spd="med" p14:dur="700">
         <p:fade/>
       </p:transition>
     </mc:Choice>
-    <mc:Fallback>
+    <mc:Fallback xmlns="">
       <p:transition xmlns:p14="http://schemas.microsoft.com/office/powerpoint/2010/main" spd="med">
         <p:fade/>
       </p:transition>
@@ -4439,8 +4431,8 @@
         </p:blipFill>
         <p:spPr>
           <a:xfrm>
-            <a:off x="7349744" y="1600200"/>
-            <a:ext cx="1416304" cy="1416304"/>
+            <a:off x="7539186" y="1600200"/>
+            <a:ext cx="1206500" cy="1206500"/>
           </a:xfrm>
           <a:prstGeom prst="rect">
             <a:avLst/>
@@ -4469,8 +4461,8 @@
         </p:blipFill>
         <p:spPr>
           <a:xfrm>
-            <a:off x="7213600" y="3085105"/>
-            <a:ext cx="1930400" cy="1448795"/>
+            <a:off x="7221686" y="2997986"/>
+            <a:ext cx="1524000" cy="1143786"/>
           </a:xfrm>
           <a:prstGeom prst="rect">
             <a:avLst/>
@@ -4499,8 +4491,61 @@
         </p:blipFill>
         <p:spPr>
           <a:xfrm>
-            <a:off x="7213600" y="4624790"/>
-            <a:ext cx="1471210" cy="1471210"/>
+            <a:off x="5893224" y="2997986"/>
+            <a:ext cx="1226862" cy="1226862"/>
+          </a:xfrm>
+          <a:prstGeom prst="rect">
+            <a:avLst/>
+          </a:prstGeom>
+        </p:spPr>
+      </p:pic>
+      <p:pic>
+        <p:nvPicPr>
+          <p:cNvPr id="7" name="Picture 6" descr="RASPPI-BORG-XLO-1-800x533.jpg"/>
+          <p:cNvPicPr>
+            <a:picLocks noChangeAspect="1"/>
+          </p:cNvPicPr>
+          <p:nvPr/>
+        </p:nvPicPr>
+        <p:blipFill rotWithShape="1">
+          <a:blip r:embed="rId5">
+            <a:extLst>
+              <a:ext uri="{28A0092B-C50C-407E-A947-70E740481C1C}">
+                <a14:useLocalDpi xmlns:a14="http://schemas.microsoft.com/office/drawing/2010/main" val="0"/>
+              </a:ext>
+            </a:extLst>
+          </a:blip>
+          <a:srcRect l="16913" t="16700" r="20780" b="13159"/>
+          <a:stretch/>
+        </p:blipFill>
+        <p:spPr>
+          <a:xfrm>
+            <a:off x="7374086" y="4224848"/>
+            <a:ext cx="1371600" cy="1028700"/>
+          </a:xfrm>
+          <a:prstGeom prst="rect">
+            <a:avLst/>
+          </a:prstGeom>
+        </p:spPr>
+      </p:pic>
+      <p:pic>
+        <p:nvPicPr>
+          <p:cNvPr id="8" name="Picture 7"/>
+          <p:cNvPicPr>
+            <a:picLocks noChangeAspect="1"/>
+          </p:cNvPicPr>
+          <p:nvPr/>
+        </p:nvPicPr>
+        <p:blipFill>
+          <a:blip r:embed="rId6"/>
+          <a:stretch>
+            <a:fillRect/>
+          </a:stretch>
+        </p:blipFill>
+        <p:spPr>
+          <a:xfrm>
+            <a:off x="7644196" y="5393248"/>
+            <a:ext cx="1121852" cy="1121852"/>
           </a:xfrm>
           <a:prstGeom prst="rect">
             <a:avLst/>
@@ -4517,13 +4562,13 @@
   <p:clrMapOvr>
     <a:masterClrMapping/>
   </p:clrMapOvr>
-  <mc:AlternateContent xmlns:mc="http://schemas.openxmlformats.org/markup-compatibility/2006">
-    <mc:Choice xmlns:p14="http://schemas.microsoft.com/office/powerpoint/2010/main" Requires="p14">
+  <mc:AlternateContent xmlns:mc="http://schemas.openxmlformats.org/markup-compatibility/2006" xmlns:p14="http://schemas.microsoft.com/office/powerpoint/2010/main">
+    <mc:Choice Requires="p14">
       <p:transition spd="med" p14:dur="700">
         <p:fade/>
       </p:transition>
     </mc:Choice>
-    <mc:Fallback>
+    <mc:Fallback xmlns="">
       <p:transition xmlns:p14="http://schemas.microsoft.com/office/powerpoint/2010/main" spd="med">
         <p:fade/>
       </p:transition>
@@ -4602,13 +4647,32 @@
           <a:p>
             <a:r>
               <a:rPr lang="en-US" dirty="0" smtClean="0"/>
-              <a:t>LED</a:t>
-            </a:r>
+              <a:t>LED (feedback)</a:t>
+            </a:r>
+            <a:endParaRPr lang="en-US" dirty="0" smtClean="0"/>
           </a:p>
           <a:p>
             <a:r>
               <a:rPr lang="en-US" dirty="0" err="1" smtClean="0"/>
               <a:t>Cameramodule</a:t>
+            </a:r>
+            <a:r>
+              <a:rPr lang="en-US" dirty="0" smtClean="0"/>
+              <a:t> (</a:t>
+            </a:r>
+            <a:r>
+              <a:rPr lang="en-US" dirty="0" err="1" smtClean="0"/>
+              <a:t>geotag</a:t>
+            </a:r>
+            <a:r>
+              <a:rPr lang="en-US" dirty="0" smtClean="0"/>
+              <a:t>)</a:t>
+            </a:r>
+          </a:p>
+          <a:p>
+            <a:r>
+              <a:rPr lang="en-US" dirty="0" err="1" smtClean="0"/>
+              <a:t>Temperatuur</a:t>
             </a:r>
             <a:endParaRPr lang="en-US" dirty="0" smtClean="0"/>
           </a:p>
@@ -4627,13 +4691,13 @@
   <p:clrMapOvr>
     <a:masterClrMapping/>
   </p:clrMapOvr>
-  <mc:AlternateContent xmlns:mc="http://schemas.openxmlformats.org/markup-compatibility/2006">
-    <mc:Choice xmlns:p14="http://schemas.microsoft.com/office/powerpoint/2010/main" Requires="p14">
+  <mc:AlternateContent xmlns:mc="http://schemas.openxmlformats.org/markup-compatibility/2006" xmlns:p14="http://schemas.microsoft.com/office/powerpoint/2010/main">
+    <mc:Choice Requires="p14">
       <p:transition spd="med" p14:dur="700">
         <p:fade/>
       </p:transition>
     </mc:Choice>
-    <mc:Fallback>
+    <mc:Fallback xmlns="">
       <p:transition xmlns:p14="http://schemas.microsoft.com/office/powerpoint/2010/main" spd="med">
         <p:fade/>
       </p:transition>
@@ -4884,11 +4948,7 @@
             </a:r>
             <a:r>
               <a:rPr lang="en-US" dirty="0" err="1" smtClean="0"/>
-              <a:t>co</a:t>
-            </a:r>
-            <a:r>
-              <a:rPr lang="en-US" dirty="0" err="1" smtClean="0"/>
-              <a:t>ördinaten</a:t>
+              <a:t>coördinaten</a:t>
             </a:r>
             <a:r>
               <a:rPr lang="en-US" dirty="0" smtClean="0"/>
@@ -5051,13 +5111,13 @@
   <p:clrMapOvr>
     <a:masterClrMapping/>
   </p:clrMapOvr>
-  <mc:AlternateContent xmlns:mc="http://schemas.openxmlformats.org/markup-compatibility/2006">
-    <mc:Choice xmlns:p14="http://schemas.microsoft.com/office/powerpoint/2010/main" Requires="p14">
+  <mc:AlternateContent xmlns:mc="http://schemas.openxmlformats.org/markup-compatibility/2006" xmlns:p14="http://schemas.microsoft.com/office/powerpoint/2010/main">
+    <mc:Choice Requires="p14">
       <p:transition spd="med" p14:dur="700">
         <p:fade/>
       </p:transition>
     </mc:Choice>
-    <mc:Fallback>
+    <mc:Fallback xmlns="">
       <p:transition xmlns:p14="http://schemas.microsoft.com/office/powerpoint/2010/main" spd="med">
         <p:fade/>
       </p:transition>
@@ -5214,13 +5274,13 @@
   <p:clrMapOvr>
     <a:masterClrMapping/>
   </p:clrMapOvr>
-  <mc:AlternateContent xmlns:mc="http://schemas.openxmlformats.org/markup-compatibility/2006">
-    <mc:Choice xmlns:p14="http://schemas.microsoft.com/office/powerpoint/2010/main" Requires="p14">
+  <mc:AlternateContent xmlns:mc="http://schemas.openxmlformats.org/markup-compatibility/2006" xmlns:p14="http://schemas.microsoft.com/office/powerpoint/2010/main">
+    <mc:Choice Requires="p14">
       <p:transition spd="med" p14:dur="700">
         <p:fade/>
       </p:transition>
     </mc:Choice>
-    <mc:Fallback>
+    <mc:Fallback xmlns="">
       <p:transition xmlns:p14="http://schemas.microsoft.com/office/powerpoint/2010/main" spd="med">
         <p:fade/>
       </p:transition>
